--- a/эвм.pptx
+++ b/эвм.pptx
@@ -12,9 +12,10 @@
     <p:sldId id="260" r:id="rId6"/>
     <p:sldId id="261" r:id="rId7"/>
     <p:sldId id="262" r:id="rId8"/>
-    <p:sldId id="263" r:id="rId9"/>
-    <p:sldId id="266" r:id="rId10"/>
+    <p:sldId id="266" r:id="rId9"/>
+    <p:sldId id="263" r:id="rId10"/>
     <p:sldId id="264" r:id="rId11"/>
+    <p:sldId id="267" r:id="rId12"/>
   </p:sldIdLst>
   <p:sldSz cx="12192000" cy="6858000"/>
   <p:notesSz cx="6858000" cy="9144000"/>
@@ -3946,6 +3947,94 @@
 </p:sld>
 </file>
 
+<file path=ppt/slides/slide11.xml><?xml version="1.0" encoding="utf-8"?>
+<p:sld xmlns:a="http://schemas.openxmlformats.org/drawingml/2006/main" xmlns:r="http://schemas.openxmlformats.org/officeDocument/2006/relationships" xmlns:p="http://schemas.openxmlformats.org/presentationml/2006/main">
+  <p:cSld>
+    <p:spTree>
+      <p:nvGrpSpPr>
+        <p:cNvPr id="1" name=""/>
+        <p:cNvGrpSpPr/>
+        <p:nvPr/>
+      </p:nvGrpSpPr>
+      <p:grpSpPr>
+        <a:xfrm>
+          <a:off x="0" y="0"/>
+          <a:ext cx="0" cy="0"/>
+          <a:chOff x="0" y="0"/>
+          <a:chExt cx="0" cy="0"/>
+        </a:xfrm>
+      </p:grpSpPr>
+      <p:sp>
+        <p:nvSpPr>
+          <p:cNvPr id="2" name="Заголовок 1">
+            <a:extLst>
+              <a:ext uri="{FF2B5EF4-FFF2-40B4-BE49-F238E27FC236}">
+                <a16:creationId xmlns:a16="http://schemas.microsoft.com/office/drawing/2014/main" id="{51D70EE8-08FE-CE41-9785-4266D914EC0E}"/>
+              </a:ext>
+            </a:extLst>
+          </p:cNvPr>
+          <p:cNvSpPr>
+            <a:spLocks noGrp="1"/>
+          </p:cNvSpPr>
+          <p:nvPr>
+            <p:ph type="title"/>
+          </p:nvPr>
+        </p:nvSpPr>
+        <p:spPr>
+          <a:xfrm>
+            <a:off x="3369733" y="2762955"/>
+            <a:ext cx="9601200" cy="1485900"/>
+          </a:xfrm>
+        </p:spPr>
+        <p:txBody>
+          <a:bodyPr/>
+          <a:lstStyle/>
+          <a:p>
+            <a:r>
+              <a:rPr lang="ru-RU" dirty="0"/>
+              <a:t>Демонстрация игры</a:t>
+            </a:r>
+          </a:p>
+        </p:txBody>
+      </p:sp>
+      <p:sp>
+        <p:nvSpPr>
+          <p:cNvPr id="3" name="Объект 2">
+            <a:extLst>
+              <a:ext uri="{FF2B5EF4-FFF2-40B4-BE49-F238E27FC236}">
+                <a16:creationId xmlns:a16="http://schemas.microsoft.com/office/drawing/2014/main" id="{16CEBE35-E3B7-6243-A34D-AF80236FE3D8}"/>
+              </a:ext>
+            </a:extLst>
+          </p:cNvPr>
+          <p:cNvSpPr>
+            <a:spLocks noGrp="1"/>
+          </p:cNvSpPr>
+          <p:nvPr>
+            <p:ph idx="1"/>
+          </p:nvPr>
+        </p:nvSpPr>
+        <p:spPr/>
+        <p:txBody>
+          <a:bodyPr/>
+          <a:lstStyle/>
+          <a:p>
+            <a:endParaRPr lang="ru-RU"/>
+          </a:p>
+        </p:txBody>
+      </p:sp>
+    </p:spTree>
+    <p:extLst>
+      <p:ext uri="{BB962C8B-B14F-4D97-AF65-F5344CB8AC3E}">
+        <p14:creationId xmlns:p14="http://schemas.microsoft.com/office/powerpoint/2010/main" val="3577755314"/>
+      </p:ext>
+    </p:extLst>
+  </p:cSld>
+  <p:clrMapOvr>
+    <a:masterClrMapping/>
+  </p:clrMapOvr>
+</p:sld>
+</file>
+
 <file path=ppt/slides/slide2.xml><?xml version="1.0" encoding="utf-8"?>
 <p:sld xmlns:a="http://schemas.openxmlformats.org/drawingml/2006/main" xmlns:r="http://schemas.openxmlformats.org/officeDocument/2006/relationships" xmlns:p="http://schemas.openxmlformats.org/presentationml/2006/main">
   <p:cSld>
@@ -5012,10 +5101,10 @@
       </p:grpSpPr>
       <p:sp>
         <p:nvSpPr>
-          <p:cNvPr id="4" name="Заголовок 3">
+          <p:cNvPr id="2" name="Заголовок 1">
             <a:extLst>
               <a:ext uri="{FF2B5EF4-FFF2-40B4-BE49-F238E27FC236}">
-                <a16:creationId xmlns:a16="http://schemas.microsoft.com/office/drawing/2014/main" id="{BD7F3642-82A2-D04C-93D1-A0EF68560FE5}"/>
+                <a16:creationId xmlns:a16="http://schemas.microsoft.com/office/drawing/2014/main" id="{2D559A6D-7ECF-024D-B906-C2FC8F5EA724}"/>
               </a:ext>
             </a:extLst>
           </p:cNvPr>
@@ -5026,62 +5115,30 @@
             <p:ph type="title"/>
           </p:nvPr>
         </p:nvSpPr>
-        <p:spPr>
-          <a:xfrm>
-            <a:off x="723900" y="685800"/>
-            <a:ext cx="3855720" cy="3762632"/>
-          </a:xfrm>
-        </p:spPr>
+        <p:spPr/>
         <p:txBody>
           <a:bodyPr/>
           <a:lstStyle/>
           <a:p>
-            <a:r>
-              <a:rPr lang="ru" dirty="0"/>
-              <a:t>Файловая архитектура проекта</a:t>
-            </a:r>
-            <a:endParaRPr lang="ru-RU" dirty="0"/>
-          </a:p>
-        </p:txBody>
-      </p:sp>
-      <p:sp>
-        <p:nvSpPr>
-          <p:cNvPr id="6" name="Текст 5">
+            <a:endParaRPr lang="ru-RU"/>
+          </a:p>
+        </p:txBody>
+      </p:sp>
+      <p:pic>
+        <p:nvPicPr>
+          <p:cNvPr id="6" name="Объект 5">
             <a:extLst>
               <a:ext uri="{FF2B5EF4-FFF2-40B4-BE49-F238E27FC236}">
-                <a16:creationId xmlns:a16="http://schemas.microsoft.com/office/drawing/2014/main" id="{DF01E17E-D8DE-1643-8ACB-7A92BCC3EE96}"/>
-              </a:ext>
-            </a:extLst>
-          </p:cNvPr>
-          <p:cNvSpPr>
-            <a:spLocks noGrp="1"/>
-          </p:cNvSpPr>
-          <p:nvPr>
-            <p:ph type="body" sz="half" idx="2"/>
-          </p:nvPr>
-        </p:nvSpPr>
-        <p:spPr/>
-        <p:txBody>
-          <a:bodyPr/>
-          <a:lstStyle/>
-          <a:p>
-            <a:endParaRPr lang="ru-RU"/>
-          </a:p>
-        </p:txBody>
-      </p:sp>
-      <p:pic>
-        <p:nvPicPr>
-          <p:cNvPr id="2" name="Рисунок 1">
-            <a:extLst>
-              <a:ext uri="{FF2B5EF4-FFF2-40B4-BE49-F238E27FC236}">
-                <a16:creationId xmlns:a16="http://schemas.microsoft.com/office/drawing/2014/main" id="{A03238C4-E622-AB4A-A1C1-4D90DC488E11}"/>
+                <a16:creationId xmlns:a16="http://schemas.microsoft.com/office/drawing/2014/main" id="{37211F3D-B23D-1249-9A95-AFC0B7E2C392}"/>
               </a:ext>
             </a:extLst>
           </p:cNvPr>
           <p:cNvPicPr>
-            <a:picLocks noChangeAspect="1"/>
+            <a:picLocks noGrp="1" noChangeAspect="1"/>
           </p:cNvPicPr>
-          <p:nvPr/>
+          <p:nvPr>
+            <p:ph idx="1"/>
+          </p:nvPr>
         </p:nvPicPr>
         <p:blipFill>
           <a:blip r:embed="rId2"/>
@@ -5091,91 +5148,40 @@
         </p:blipFill>
         <p:spPr>
           <a:xfrm>
-            <a:off x="4741774" y="227188"/>
-            <a:ext cx="3632200" cy="3784600"/>
-          </a:xfrm>
-          <a:prstGeom prst="rect">
-            <a:avLst/>
-          </a:prstGeom>
+            <a:off x="723900" y="5660"/>
+            <a:ext cx="10682542" cy="6852340"/>
+          </a:xfrm>
         </p:spPr>
       </p:pic>
-      <p:pic>
-        <p:nvPicPr>
-          <p:cNvPr id="3" name="Объект 2">
+      <p:sp>
+        <p:nvSpPr>
+          <p:cNvPr id="4" name="Текст 3">
             <a:extLst>
               <a:ext uri="{FF2B5EF4-FFF2-40B4-BE49-F238E27FC236}">
-                <a16:creationId xmlns:a16="http://schemas.microsoft.com/office/drawing/2014/main" id="{DBAB62EC-8007-1249-89FB-42FA6505011C}"/>
+                <a16:creationId xmlns:a16="http://schemas.microsoft.com/office/drawing/2014/main" id="{618438C9-1B09-0745-8C2A-D1AAA6D44B32}"/>
               </a:ext>
             </a:extLst>
           </p:cNvPr>
-          <p:cNvPicPr>
-            <a:picLocks noGrp="1" noChangeAspect="1"/>
-          </p:cNvPicPr>
-          <p:nvPr>
-            <p:ph idx="1"/>
-          </p:nvPr>
-        </p:nvPicPr>
-        <p:blipFill>
-          <a:blip r:embed="rId3"/>
-          <a:stretch>
-            <a:fillRect/>
-          </a:stretch>
-        </p:blipFill>
-        <p:spPr>
-          <a:xfrm>
-            <a:off x="7425708" y="3165732"/>
-            <a:ext cx="3505200" cy="2565400"/>
-          </a:xfrm>
-          <a:prstGeom prst="rect">
-            <a:avLst/>
-          </a:prstGeom>
-        </p:spPr>
-      </p:pic>
-      <p:cxnSp>
-        <p:nvCxnSpPr>
-          <p:cNvPr id="8" name="Прямая со стрелкой 7">
-            <a:extLst>
-              <a:ext uri="{FF2B5EF4-FFF2-40B4-BE49-F238E27FC236}">
-                <a16:creationId xmlns:a16="http://schemas.microsoft.com/office/drawing/2014/main" id="{869C5DB7-E185-3B43-BE04-3711DB208ACC}"/>
-              </a:ext>
-            </a:extLst>
-          </p:cNvPr>
-          <p:cNvCxnSpPr>
-            <a:cxnSpLocks/>
-          </p:cNvCxnSpPr>
-          <p:nvPr/>
-        </p:nvCxnSpPr>
-        <p:spPr>
-          <a:xfrm>
-            <a:off x="6175022" y="1275644"/>
-            <a:ext cx="2754489" cy="2077156"/>
-          </a:xfrm>
-          <a:prstGeom prst="straightConnector1">
-            <a:avLst/>
-          </a:prstGeom>
-          <a:ln>
-            <a:tailEnd type="triangle"/>
-          </a:ln>
-        </p:spPr>
-        <p:style>
-          <a:lnRef idx="1">
-            <a:schemeClr val="dk1"/>
-          </a:lnRef>
-          <a:fillRef idx="0">
-            <a:schemeClr val="dk1"/>
-          </a:fillRef>
-          <a:effectRef idx="0">
-            <a:schemeClr val="dk1"/>
-          </a:effectRef>
-          <a:fontRef idx="minor">
-            <a:schemeClr val="tx1"/>
-          </a:fontRef>
-        </p:style>
-      </p:cxnSp>
+          <p:cNvSpPr>
+            <a:spLocks noGrp="1"/>
+          </p:cNvSpPr>
+          <p:nvPr>
+            <p:ph type="body" sz="half" idx="2"/>
+          </p:nvPr>
+        </p:nvSpPr>
+        <p:spPr/>
+        <p:txBody>
+          <a:bodyPr/>
+          <a:lstStyle/>
+          <a:p>
+            <a:endParaRPr lang="ru-RU"/>
+          </a:p>
+        </p:txBody>
+      </p:sp>
     </p:spTree>
     <p:extLst>
       <p:ext uri="{BB962C8B-B14F-4D97-AF65-F5344CB8AC3E}">
-        <p14:creationId xmlns:p14="http://schemas.microsoft.com/office/powerpoint/2010/main" val="2403908408"/>
+        <p14:creationId xmlns:p14="http://schemas.microsoft.com/office/powerpoint/2010/main" val="2103301335"/>
       </p:ext>
     </p:extLst>
   </p:cSld>
@@ -5204,10 +5210,10 @@
       </p:grpSpPr>
       <p:sp>
         <p:nvSpPr>
-          <p:cNvPr id="2" name="Заголовок 1">
+          <p:cNvPr id="4" name="Заголовок 3">
             <a:extLst>
               <a:ext uri="{FF2B5EF4-FFF2-40B4-BE49-F238E27FC236}">
-                <a16:creationId xmlns:a16="http://schemas.microsoft.com/office/drawing/2014/main" id="{2D559A6D-7ECF-024D-B906-C2FC8F5EA724}"/>
+                <a16:creationId xmlns:a16="http://schemas.microsoft.com/office/drawing/2014/main" id="{BD7F3642-82A2-D04C-93D1-A0EF68560FE5}"/>
               </a:ext>
             </a:extLst>
           </p:cNvPr>
@@ -5218,6 +5224,40 @@
             <p:ph type="title"/>
           </p:nvPr>
         </p:nvSpPr>
+        <p:spPr>
+          <a:xfrm>
+            <a:off x="723900" y="685800"/>
+            <a:ext cx="3855720" cy="3762632"/>
+          </a:xfrm>
+        </p:spPr>
+        <p:txBody>
+          <a:bodyPr/>
+          <a:lstStyle/>
+          <a:p>
+            <a:r>
+              <a:rPr lang="ru" dirty="0"/>
+              <a:t>Файловая архитектура проекта</a:t>
+            </a:r>
+            <a:endParaRPr lang="ru-RU" dirty="0"/>
+          </a:p>
+        </p:txBody>
+      </p:sp>
+      <p:sp>
+        <p:nvSpPr>
+          <p:cNvPr id="6" name="Текст 5">
+            <a:extLst>
+              <a:ext uri="{FF2B5EF4-FFF2-40B4-BE49-F238E27FC236}">
+                <a16:creationId xmlns:a16="http://schemas.microsoft.com/office/drawing/2014/main" id="{DF01E17E-D8DE-1643-8ACB-7A92BCC3EE96}"/>
+              </a:ext>
+            </a:extLst>
+          </p:cNvPr>
+          <p:cNvSpPr>
+            <a:spLocks noGrp="1"/>
+          </p:cNvSpPr>
+          <p:nvPr>
+            <p:ph type="body" sz="half" idx="2"/>
+          </p:nvPr>
+        </p:nvSpPr>
         <p:spPr/>
         <p:txBody>
           <a:bodyPr/>
@@ -5229,19 +5269,17 @@
       </p:sp>
       <p:pic>
         <p:nvPicPr>
-          <p:cNvPr id="6" name="Объект 5">
+          <p:cNvPr id="2" name="Рисунок 1">
             <a:extLst>
               <a:ext uri="{FF2B5EF4-FFF2-40B4-BE49-F238E27FC236}">
-                <a16:creationId xmlns:a16="http://schemas.microsoft.com/office/drawing/2014/main" id="{37211F3D-B23D-1249-9A95-AFC0B7E2C392}"/>
+                <a16:creationId xmlns:a16="http://schemas.microsoft.com/office/drawing/2014/main" id="{A03238C4-E622-AB4A-A1C1-4D90DC488E11}"/>
               </a:ext>
             </a:extLst>
           </p:cNvPr>
           <p:cNvPicPr>
-            <a:picLocks noGrp="1" noChangeAspect="1"/>
+            <a:picLocks noChangeAspect="1"/>
           </p:cNvPicPr>
-          <p:nvPr>
-            <p:ph idx="1"/>
-          </p:nvPr>
+          <p:nvPr/>
         </p:nvPicPr>
         <p:blipFill>
           <a:blip r:embed="rId2"/>
@@ -5251,40 +5289,91 @@
         </p:blipFill>
         <p:spPr>
           <a:xfrm>
-            <a:off x="723900" y="5660"/>
-            <a:ext cx="10682542" cy="6852340"/>
-          </a:xfrm>
+            <a:off x="4741774" y="227188"/>
+            <a:ext cx="3632200" cy="3784600"/>
+          </a:xfrm>
+          <a:prstGeom prst="rect">
+            <a:avLst/>
+          </a:prstGeom>
         </p:spPr>
       </p:pic>
-      <p:sp>
-        <p:nvSpPr>
-          <p:cNvPr id="4" name="Текст 3">
+      <p:pic>
+        <p:nvPicPr>
+          <p:cNvPr id="3" name="Объект 2">
             <a:extLst>
               <a:ext uri="{FF2B5EF4-FFF2-40B4-BE49-F238E27FC236}">
-                <a16:creationId xmlns:a16="http://schemas.microsoft.com/office/drawing/2014/main" id="{618438C9-1B09-0745-8C2A-D1AAA6D44B32}"/>
+                <a16:creationId xmlns:a16="http://schemas.microsoft.com/office/drawing/2014/main" id="{DBAB62EC-8007-1249-89FB-42FA6505011C}"/>
               </a:ext>
             </a:extLst>
           </p:cNvPr>
-          <p:cNvSpPr>
-            <a:spLocks noGrp="1"/>
-          </p:cNvSpPr>
-          <p:nvPr>
-            <p:ph type="body" sz="half" idx="2"/>
-          </p:nvPr>
-        </p:nvSpPr>
-        <p:spPr/>
-        <p:txBody>
-          <a:bodyPr/>
-          <a:lstStyle/>
-          <a:p>
-            <a:endParaRPr lang="ru-RU"/>
-          </a:p>
-        </p:txBody>
-      </p:sp>
+          <p:cNvPicPr>
+            <a:picLocks noGrp="1" noChangeAspect="1"/>
+          </p:cNvPicPr>
+          <p:nvPr>
+            <p:ph idx="1"/>
+          </p:nvPr>
+        </p:nvPicPr>
+        <p:blipFill>
+          <a:blip r:embed="rId3"/>
+          <a:stretch>
+            <a:fillRect/>
+          </a:stretch>
+        </p:blipFill>
+        <p:spPr>
+          <a:xfrm>
+            <a:off x="7425708" y="3165732"/>
+            <a:ext cx="3505200" cy="2565400"/>
+          </a:xfrm>
+          <a:prstGeom prst="rect">
+            <a:avLst/>
+          </a:prstGeom>
+        </p:spPr>
+      </p:pic>
+      <p:cxnSp>
+        <p:nvCxnSpPr>
+          <p:cNvPr id="8" name="Прямая со стрелкой 7">
+            <a:extLst>
+              <a:ext uri="{FF2B5EF4-FFF2-40B4-BE49-F238E27FC236}">
+                <a16:creationId xmlns:a16="http://schemas.microsoft.com/office/drawing/2014/main" id="{869C5DB7-E185-3B43-BE04-3711DB208ACC}"/>
+              </a:ext>
+            </a:extLst>
+          </p:cNvPr>
+          <p:cNvCxnSpPr>
+            <a:cxnSpLocks/>
+          </p:cNvCxnSpPr>
+          <p:nvPr/>
+        </p:nvCxnSpPr>
+        <p:spPr>
+          <a:xfrm>
+            <a:off x="6175022" y="1275644"/>
+            <a:ext cx="2754489" cy="2077156"/>
+          </a:xfrm>
+          <a:prstGeom prst="straightConnector1">
+            <a:avLst/>
+          </a:prstGeom>
+          <a:ln>
+            <a:tailEnd type="triangle"/>
+          </a:ln>
+        </p:spPr>
+        <p:style>
+          <a:lnRef idx="1">
+            <a:schemeClr val="dk1"/>
+          </a:lnRef>
+          <a:fillRef idx="0">
+            <a:schemeClr val="dk1"/>
+          </a:fillRef>
+          <a:effectRef idx="0">
+            <a:schemeClr val="dk1"/>
+          </a:effectRef>
+          <a:fontRef idx="minor">
+            <a:schemeClr val="tx1"/>
+          </a:fontRef>
+        </p:style>
+      </p:cxnSp>
     </p:spTree>
     <p:extLst>
       <p:ext uri="{BB962C8B-B14F-4D97-AF65-F5344CB8AC3E}">
-        <p14:creationId xmlns:p14="http://schemas.microsoft.com/office/powerpoint/2010/main" val="2103301335"/>
+        <p14:creationId xmlns:p14="http://schemas.microsoft.com/office/powerpoint/2010/main" val="2403908408"/>
       </p:ext>
     </p:extLst>
   </p:cSld>
